--- a/docs/Presentation.pptx
+++ b/docs/Presentation.pptx
@@ -4,6 +4,9 @@
   <p:sldMasterIdLst>
     <p:sldMasterId id="2147483872" r:id="rId1"/>
   </p:sldMasterIdLst>
+  <p:notesMasterIdLst>
+    <p:notesMasterId r:id="rId14"/>
+  </p:notesMasterIdLst>
   <p:sldIdLst>
     <p:sldId id="256" r:id="rId2"/>
     <p:sldId id="257" r:id="rId3"/>
@@ -2869,7 +2872,7 @@
         <a:lstStyle/>
         <a:p>
           <a:r>
-            <a:rPr lang="en-US" sz="900" dirty="0"/>
+            <a:rPr lang="en-US" sz="900" b="1" dirty="0"/>
             <a:t>Image Upload:</a:t>
           </a:r>
         </a:p>
@@ -2941,10 +2944,9 @@
         <a:lstStyle/>
         <a:p>
           <a:r>
-            <a:rPr lang="en-US" sz="900"/>
+            <a:rPr lang="en-US" sz="900" b="1" dirty="0"/>
             <a:t>Review &amp; Confirm:</a:t>
           </a:r>
-          <a:endParaRPr lang="en-US" sz="900" dirty="0"/>
         </a:p>
       </dgm:t>
     </dgm:pt>
@@ -3014,10 +3016,9 @@
         <a:lstStyle/>
         <a:p>
           <a:r>
-            <a:rPr lang="en-US" sz="900"/>
+            <a:rPr lang="en-US" sz="900" b="1" dirty="0"/>
             <a:t>Results Display:</a:t>
           </a:r>
-          <a:endParaRPr lang="en-US" sz="900" dirty="0"/>
         </a:p>
       </dgm:t>
     </dgm:pt>
@@ -3087,7 +3088,7 @@
         <a:lstStyle/>
         <a:p>
           <a:r>
-            <a:rPr lang="en-US" sz="900" dirty="0"/>
+            <a:rPr lang="en-US" sz="900" b="1" dirty="0"/>
             <a:t>Report Management:</a:t>
           </a:r>
         </a:p>
@@ -5404,7 +5405,7 @@
             <a:buNone/>
           </a:pPr>
           <a:r>
-            <a:rPr lang="en-US" sz="900" kern="1200" dirty="0"/>
+            <a:rPr lang="en-US" sz="900" b="1" kern="1200" dirty="0"/>
             <a:t>Image Upload:</a:t>
           </a:r>
         </a:p>
@@ -5558,10 +5559,9 @@
             <a:buNone/>
           </a:pPr>
           <a:r>
-            <a:rPr lang="en-US" sz="900" kern="1200"/>
+            <a:rPr lang="en-US" sz="900" b="1" kern="1200" dirty="0"/>
             <a:t>Review &amp; Confirm:</a:t>
           </a:r>
-          <a:endParaRPr lang="en-US" sz="900" kern="1200" dirty="0"/>
         </a:p>
       </dsp:txBody>
       <dsp:txXfrm>
@@ -5713,10 +5713,9 @@
             <a:buNone/>
           </a:pPr>
           <a:r>
-            <a:rPr lang="en-US" sz="900" kern="1200"/>
+            <a:rPr lang="en-US" sz="900" b="1" kern="1200" dirty="0"/>
             <a:t>Results Display:</a:t>
           </a:r>
-          <a:endParaRPr lang="en-US" sz="900" kern="1200" dirty="0"/>
         </a:p>
       </dsp:txBody>
       <dsp:txXfrm>
@@ -5868,7 +5867,7 @@
             <a:buNone/>
           </a:pPr>
           <a:r>
-            <a:rPr lang="en-US" sz="900" kern="1200" dirty="0"/>
+            <a:rPr lang="en-US" sz="900" b="1" kern="1200" dirty="0"/>
             <a:t>Report Management:</a:t>
           </a:r>
         </a:p>
@@ -11052,6 +11051,440 @@
     </dgm:style>
   </dgm:styleLbl>
 </dgm:styleDef>
+</file>
+
+<file path=ppt/notesMasters/notesMaster1.xml><?xml version="1.0" encoding="utf-8"?>
+<p:notesMaster xmlns:a="http://schemas.openxmlformats.org/drawingml/2006/main" xmlns:r="http://schemas.openxmlformats.org/officeDocument/2006/relationships" xmlns:p="http://schemas.openxmlformats.org/presentationml/2006/main">
+  <p:cSld>
+    <p:bg>
+      <p:bgRef idx="1001">
+        <a:schemeClr val="bg1"/>
+      </p:bgRef>
+    </p:bg>
+    <p:spTree>
+      <p:nvGrpSpPr>
+        <p:cNvPr id="1" name=""/>
+        <p:cNvGrpSpPr/>
+        <p:nvPr/>
+      </p:nvGrpSpPr>
+      <p:grpSpPr>
+        <a:xfrm>
+          <a:off x="0" y="0"/>
+          <a:ext cx="0" cy="0"/>
+          <a:chOff x="0" y="0"/>
+          <a:chExt cx="0" cy="0"/>
+        </a:xfrm>
+      </p:grpSpPr>
+      <p:sp>
+        <p:nvSpPr>
+          <p:cNvPr id="2" name="מציין מיקום של כותרת עליונה 1"/>
+          <p:cNvSpPr>
+            <a:spLocks noGrp="1"/>
+          </p:cNvSpPr>
+          <p:nvPr>
+            <p:ph type="hdr" sz="quarter"/>
+          </p:nvPr>
+        </p:nvSpPr>
+        <p:spPr>
+          <a:xfrm>
+            <a:off x="3886200" y="0"/>
+            <a:ext cx="2971800" cy="458788"/>
+          </a:xfrm>
+          <a:prstGeom prst="rect">
+            <a:avLst/>
+          </a:prstGeom>
+        </p:spPr>
+        <p:txBody>
+          <a:bodyPr vert="horz" lIns="91440" tIns="45720" rIns="91440" bIns="45720" rtlCol="1"/>
+          <a:lstStyle>
+            <a:lvl1pPr algn="l">
+              <a:defRPr sz="1200"/>
+            </a:lvl1pPr>
+          </a:lstStyle>
+          <a:p>
+            <a:endParaRPr lang="en-US"/>
+          </a:p>
+        </p:txBody>
+      </p:sp>
+      <p:sp>
+        <p:nvSpPr>
+          <p:cNvPr id="3" name="מציין מיקום של תאריך 2"/>
+          <p:cNvSpPr>
+            <a:spLocks noGrp="1"/>
+          </p:cNvSpPr>
+          <p:nvPr>
+            <p:ph type="dt" idx="1"/>
+          </p:nvPr>
+        </p:nvSpPr>
+        <p:spPr>
+          <a:xfrm>
+            <a:off x="1588" y="0"/>
+            <a:ext cx="2971800" cy="458788"/>
+          </a:xfrm>
+          <a:prstGeom prst="rect">
+            <a:avLst/>
+          </a:prstGeom>
+        </p:spPr>
+        <p:txBody>
+          <a:bodyPr vert="horz" lIns="91440" tIns="45720" rIns="91440" bIns="45720" rtlCol="1"/>
+          <a:lstStyle>
+            <a:lvl1pPr algn="r">
+              <a:defRPr sz="1200"/>
+            </a:lvl1pPr>
+          </a:lstStyle>
+          <a:p>
+            <a:fld id="{1B0E50E0-EBAA-4F75-8E1A-A9778C1A0693}" type="datetimeFigureOut">
+              <a:rPr lang="en-US" smtClean="0"/>
+              <a:t>1/16/2025</a:t>
+            </a:fld>
+            <a:endParaRPr lang="en-US"/>
+          </a:p>
+        </p:txBody>
+      </p:sp>
+      <p:sp>
+        <p:nvSpPr>
+          <p:cNvPr id="4" name="מציין מיקום של תמונת שקופית 3"/>
+          <p:cNvSpPr>
+            <a:spLocks noGrp="1" noRot="1" noChangeAspect="1"/>
+          </p:cNvSpPr>
+          <p:nvPr>
+            <p:ph type="sldImg" idx="2"/>
+          </p:nvPr>
+        </p:nvSpPr>
+        <p:spPr>
+          <a:xfrm>
+            <a:off x="685800" y="1143000"/>
+            <a:ext cx="5486400" cy="3086100"/>
+          </a:xfrm>
+          <a:prstGeom prst="rect">
+            <a:avLst/>
+          </a:prstGeom>
+          <a:noFill/>
+          <a:ln w="12700">
+            <a:solidFill>
+              <a:prstClr val="black"/>
+            </a:solidFill>
+          </a:ln>
+        </p:spPr>
+        <p:txBody>
+          <a:bodyPr vert="horz" lIns="91440" tIns="45720" rIns="91440" bIns="45720" rtlCol="1" anchor="ctr"/>
+          <a:lstStyle/>
+          <a:p>
+            <a:endParaRPr lang="en-US"/>
+          </a:p>
+        </p:txBody>
+      </p:sp>
+      <p:sp>
+        <p:nvSpPr>
+          <p:cNvPr id="5" name="מציין מיקום של הערות 4"/>
+          <p:cNvSpPr>
+            <a:spLocks noGrp="1"/>
+          </p:cNvSpPr>
+          <p:nvPr>
+            <p:ph type="body" sz="quarter" idx="3"/>
+          </p:nvPr>
+        </p:nvSpPr>
+        <p:spPr>
+          <a:xfrm>
+            <a:off x="685800" y="4400550"/>
+            <a:ext cx="5486400" cy="3600450"/>
+          </a:xfrm>
+          <a:prstGeom prst="rect">
+            <a:avLst/>
+          </a:prstGeom>
+        </p:spPr>
+        <p:txBody>
+          <a:bodyPr vert="horz" lIns="91440" tIns="45720" rIns="91440" bIns="45720" rtlCol="1"/>
+          <a:lstStyle/>
+          <a:p>
+            <a:pPr lvl="0"/>
+            <a:r>
+              <a:rPr lang="he-IL"/>
+              <a:t>לחץ כדי לערוך סגנונות טקסט של תבנית בסיס</a:t>
+            </a:r>
+          </a:p>
+          <a:p>
+            <a:pPr lvl="1"/>
+            <a:r>
+              <a:rPr lang="he-IL"/>
+              <a:t>רמה שנייה</a:t>
+            </a:r>
+          </a:p>
+          <a:p>
+            <a:pPr lvl="2"/>
+            <a:r>
+              <a:rPr lang="he-IL"/>
+              <a:t>רמה שלישית</a:t>
+            </a:r>
+          </a:p>
+          <a:p>
+            <a:pPr lvl="3"/>
+            <a:r>
+              <a:rPr lang="he-IL"/>
+              <a:t>רמה רביעית</a:t>
+            </a:r>
+          </a:p>
+          <a:p>
+            <a:pPr lvl="4"/>
+            <a:r>
+              <a:rPr lang="he-IL"/>
+              <a:t>רמה חמישית</a:t>
+            </a:r>
+            <a:endParaRPr lang="en-US"/>
+          </a:p>
+        </p:txBody>
+      </p:sp>
+      <p:sp>
+        <p:nvSpPr>
+          <p:cNvPr id="6" name="מציין מיקום של כותרת תחתונה 5"/>
+          <p:cNvSpPr>
+            <a:spLocks noGrp="1"/>
+          </p:cNvSpPr>
+          <p:nvPr>
+            <p:ph type="ftr" sz="quarter" idx="4"/>
+          </p:nvPr>
+        </p:nvSpPr>
+        <p:spPr>
+          <a:xfrm>
+            <a:off x="3886200" y="8685213"/>
+            <a:ext cx="2971800" cy="458787"/>
+          </a:xfrm>
+          <a:prstGeom prst="rect">
+            <a:avLst/>
+          </a:prstGeom>
+        </p:spPr>
+        <p:txBody>
+          <a:bodyPr vert="horz" lIns="91440" tIns="45720" rIns="91440" bIns="45720" rtlCol="1" anchor="b"/>
+          <a:lstStyle>
+            <a:lvl1pPr algn="l">
+              <a:defRPr sz="1200"/>
+            </a:lvl1pPr>
+          </a:lstStyle>
+          <a:p>
+            <a:endParaRPr lang="en-US"/>
+          </a:p>
+        </p:txBody>
+      </p:sp>
+      <p:sp>
+        <p:nvSpPr>
+          <p:cNvPr id="7" name="מציין מיקום של מספר שקופית 6"/>
+          <p:cNvSpPr>
+            <a:spLocks noGrp="1"/>
+          </p:cNvSpPr>
+          <p:nvPr>
+            <p:ph type="sldNum" sz="quarter" idx="5"/>
+          </p:nvPr>
+        </p:nvSpPr>
+        <p:spPr>
+          <a:xfrm>
+            <a:off x="1588" y="8685213"/>
+            <a:ext cx="2971800" cy="458787"/>
+          </a:xfrm>
+          <a:prstGeom prst="rect">
+            <a:avLst/>
+          </a:prstGeom>
+        </p:spPr>
+        <p:txBody>
+          <a:bodyPr vert="horz" lIns="91440" tIns="45720" rIns="91440" bIns="45720" rtlCol="1" anchor="b"/>
+          <a:lstStyle>
+            <a:lvl1pPr algn="r">
+              <a:defRPr sz="1200"/>
+            </a:lvl1pPr>
+          </a:lstStyle>
+          <a:p>
+            <a:fld id="{DF75A810-52BB-494B-B062-E87AD127DD9B}" type="slidenum">
+              <a:rPr lang="en-US" smtClean="0"/>
+              <a:t>‹#›</a:t>
+            </a:fld>
+            <a:endParaRPr lang="en-US"/>
+          </a:p>
+        </p:txBody>
+      </p:sp>
+    </p:spTree>
+    <p:extLst>
+      <p:ext uri="{BB962C8B-B14F-4D97-AF65-F5344CB8AC3E}">
+        <p14:creationId xmlns:p14="http://schemas.microsoft.com/office/powerpoint/2010/main" val="756933392"/>
+      </p:ext>
+    </p:extLst>
+  </p:cSld>
+  <p:clrMap bg1="lt1" tx1="dk1" bg2="lt2" tx2="dk2" accent1="accent1" accent2="accent2" accent3="accent3" accent4="accent4" accent5="accent5" accent6="accent6" hlink="hlink" folHlink="folHlink"/>
+  <p:notesStyle>
+    <a:lvl1pPr marL="0" algn="r" defTabSz="914400" rtl="1" eaLnBrk="1" latinLnBrk="0" hangingPunct="1">
+      <a:defRPr sz="1200" kern="1200">
+        <a:solidFill>
+          <a:schemeClr val="tx1"/>
+        </a:solidFill>
+        <a:latin typeface="+mn-lt"/>
+        <a:ea typeface="+mn-ea"/>
+        <a:cs typeface="+mn-cs"/>
+      </a:defRPr>
+    </a:lvl1pPr>
+    <a:lvl2pPr marL="457200" algn="r" defTabSz="914400" rtl="1" eaLnBrk="1" latinLnBrk="0" hangingPunct="1">
+      <a:defRPr sz="1200" kern="1200">
+        <a:solidFill>
+          <a:schemeClr val="tx1"/>
+        </a:solidFill>
+        <a:latin typeface="+mn-lt"/>
+        <a:ea typeface="+mn-ea"/>
+        <a:cs typeface="+mn-cs"/>
+      </a:defRPr>
+    </a:lvl2pPr>
+    <a:lvl3pPr marL="914400" algn="r" defTabSz="914400" rtl="1" eaLnBrk="1" latinLnBrk="0" hangingPunct="1">
+      <a:defRPr sz="1200" kern="1200">
+        <a:solidFill>
+          <a:schemeClr val="tx1"/>
+        </a:solidFill>
+        <a:latin typeface="+mn-lt"/>
+        <a:ea typeface="+mn-ea"/>
+        <a:cs typeface="+mn-cs"/>
+      </a:defRPr>
+    </a:lvl3pPr>
+    <a:lvl4pPr marL="1371600" algn="r" defTabSz="914400" rtl="1" eaLnBrk="1" latinLnBrk="0" hangingPunct="1">
+      <a:defRPr sz="1200" kern="1200">
+        <a:solidFill>
+          <a:schemeClr val="tx1"/>
+        </a:solidFill>
+        <a:latin typeface="+mn-lt"/>
+        <a:ea typeface="+mn-ea"/>
+        <a:cs typeface="+mn-cs"/>
+      </a:defRPr>
+    </a:lvl4pPr>
+    <a:lvl5pPr marL="1828800" algn="r" defTabSz="914400" rtl="1" eaLnBrk="1" latinLnBrk="0" hangingPunct="1">
+      <a:defRPr sz="1200" kern="1200">
+        <a:solidFill>
+          <a:schemeClr val="tx1"/>
+        </a:solidFill>
+        <a:latin typeface="+mn-lt"/>
+        <a:ea typeface="+mn-ea"/>
+        <a:cs typeface="+mn-cs"/>
+      </a:defRPr>
+    </a:lvl5pPr>
+    <a:lvl6pPr marL="2286000" algn="r" defTabSz="914400" rtl="1" eaLnBrk="1" latinLnBrk="0" hangingPunct="1">
+      <a:defRPr sz="1200" kern="1200">
+        <a:solidFill>
+          <a:schemeClr val="tx1"/>
+        </a:solidFill>
+        <a:latin typeface="+mn-lt"/>
+        <a:ea typeface="+mn-ea"/>
+        <a:cs typeface="+mn-cs"/>
+      </a:defRPr>
+    </a:lvl6pPr>
+    <a:lvl7pPr marL="2743200" algn="r" defTabSz="914400" rtl="1" eaLnBrk="1" latinLnBrk="0" hangingPunct="1">
+      <a:defRPr sz="1200" kern="1200">
+        <a:solidFill>
+          <a:schemeClr val="tx1"/>
+        </a:solidFill>
+        <a:latin typeface="+mn-lt"/>
+        <a:ea typeface="+mn-ea"/>
+        <a:cs typeface="+mn-cs"/>
+      </a:defRPr>
+    </a:lvl7pPr>
+    <a:lvl8pPr marL="3200400" algn="r" defTabSz="914400" rtl="1" eaLnBrk="1" latinLnBrk="0" hangingPunct="1">
+      <a:defRPr sz="1200" kern="1200">
+        <a:solidFill>
+          <a:schemeClr val="tx1"/>
+        </a:solidFill>
+        <a:latin typeface="+mn-lt"/>
+        <a:ea typeface="+mn-ea"/>
+        <a:cs typeface="+mn-cs"/>
+      </a:defRPr>
+    </a:lvl8pPr>
+    <a:lvl9pPr marL="3657600" algn="r" defTabSz="914400" rtl="1" eaLnBrk="1" latinLnBrk="0" hangingPunct="1">
+      <a:defRPr sz="1200" kern="1200">
+        <a:solidFill>
+          <a:schemeClr val="tx1"/>
+        </a:solidFill>
+        <a:latin typeface="+mn-lt"/>
+        <a:ea typeface="+mn-ea"/>
+        <a:cs typeface="+mn-cs"/>
+      </a:defRPr>
+    </a:lvl9pPr>
+  </p:notesStyle>
+</p:notesMaster>
+</file>
+
+<file path=ppt/notesSlides/notesSlide1.xml><?xml version="1.0" encoding="utf-8"?>
+<p:notes xmlns:a="http://schemas.openxmlformats.org/drawingml/2006/main" xmlns:r="http://schemas.openxmlformats.org/officeDocument/2006/relationships" xmlns:p="http://schemas.openxmlformats.org/presentationml/2006/main">
+  <p:cSld>
+    <p:spTree>
+      <p:nvGrpSpPr>
+        <p:cNvPr id="1" name=""/>
+        <p:cNvGrpSpPr/>
+        <p:nvPr/>
+      </p:nvGrpSpPr>
+      <p:grpSpPr>
+        <a:xfrm>
+          <a:off x="0" y="0"/>
+          <a:ext cx="0" cy="0"/>
+          <a:chOff x="0" y="0"/>
+          <a:chExt cx="0" cy="0"/>
+        </a:xfrm>
+      </p:grpSpPr>
+      <p:sp>
+        <p:nvSpPr>
+          <p:cNvPr id="2" name="מציין מיקום של תמונת שקופית 1"/>
+          <p:cNvSpPr>
+            <a:spLocks noGrp="1" noRot="1" noChangeAspect="1"/>
+          </p:cNvSpPr>
+          <p:nvPr>
+            <p:ph type="sldImg"/>
+          </p:nvPr>
+        </p:nvSpPr>
+        <p:spPr/>
+      </p:sp>
+      <p:sp>
+        <p:nvSpPr>
+          <p:cNvPr id="3" name="מציין מיקום של הערות 2"/>
+          <p:cNvSpPr>
+            <a:spLocks noGrp="1"/>
+          </p:cNvSpPr>
+          <p:nvPr>
+            <p:ph type="body" idx="1"/>
+          </p:nvPr>
+        </p:nvSpPr>
+        <p:spPr/>
+        <p:txBody>
+          <a:bodyPr/>
+          <a:lstStyle/>
+          <a:p>
+            <a:endParaRPr lang="en-US" dirty="0"/>
+          </a:p>
+        </p:txBody>
+      </p:sp>
+      <p:sp>
+        <p:nvSpPr>
+          <p:cNvPr id="4" name="מציין מיקום של מספר שקופית 3"/>
+          <p:cNvSpPr>
+            <a:spLocks noGrp="1"/>
+          </p:cNvSpPr>
+          <p:nvPr>
+            <p:ph type="sldNum" sz="quarter" idx="5"/>
+          </p:nvPr>
+        </p:nvSpPr>
+        <p:spPr/>
+        <p:txBody>
+          <a:bodyPr/>
+          <a:lstStyle/>
+          <a:p>
+            <a:fld id="{DF75A810-52BB-494B-B062-E87AD127DD9B}" type="slidenum">
+              <a:rPr lang="en-US" smtClean="0"/>
+              <a:t>4</a:t>
+            </a:fld>
+            <a:endParaRPr lang="en-US"/>
+          </a:p>
+        </p:txBody>
+      </p:sp>
+    </p:spTree>
+    <p:extLst>
+      <p:ext uri="{BB962C8B-B14F-4D97-AF65-F5344CB8AC3E}">
+        <p14:creationId xmlns:p14="http://schemas.microsoft.com/office/powerpoint/2010/main" val="4128068031"/>
+      </p:ext>
+    </p:extLst>
+  </p:cSld>
+  <p:clrMapOvr>
+    <a:masterClrMapping/>
+  </p:clrMapOvr>
+</p:notes>
 </file>
 
 <file path=ppt/slideLayouts/slideLayout1.xml><?xml version="1.0" encoding="utf-8"?>
@@ -23469,8 +23902,8 @@
         </p:nvSpPr>
         <p:spPr>
           <a:xfrm>
-            <a:off x="923917" y="1692871"/>
-            <a:ext cx="10440679" cy="707886"/>
+            <a:off x="2337866" y="2366500"/>
+            <a:ext cx="7204216" cy="523220"/>
           </a:xfrm>
           <a:prstGeom prst="rect">
             <a:avLst/>
@@ -23485,7 +23918,7 @@
           <a:p>
             <a:pPr algn="ctr"/>
             <a:r>
-              <a:rPr lang="en-US" sz="4000" b="1" cap="none" spc="0" dirty="0">
+              <a:rPr lang="en-US" sz="2800" b="1" cap="none" spc="0" dirty="0">
                 <a:ln w="22225">
                   <a:solidFill>
                     <a:schemeClr val="accent2"/>
@@ -23591,6 +24024,75 @@
           </a:prstGeom>
         </p:spPr>
       </p:pic>
+      <p:sp>
+        <p:nvSpPr>
+          <p:cNvPr id="2" name="Rectangle 5">
+            <a:extLst>
+              <a:ext uri="{FF2B5EF4-FFF2-40B4-BE49-F238E27FC236}">
+                <a16:creationId xmlns:a16="http://schemas.microsoft.com/office/drawing/2014/main" id="{AEA73B91-B325-EABB-984F-E7C2400AC74B}"/>
+              </a:ext>
+            </a:extLst>
+          </p:cNvPr>
+          <p:cNvSpPr/>
+          <p:nvPr/>
+        </p:nvSpPr>
+        <p:spPr>
+          <a:xfrm>
+            <a:off x="5060566" y="1165493"/>
+            <a:ext cx="1758815" cy="707886"/>
+          </a:xfrm>
+          <a:prstGeom prst="rect">
+            <a:avLst/>
+          </a:prstGeom>
+          <a:noFill/>
+        </p:spPr>
+        <p:txBody>
+          <a:bodyPr wrap="none" lIns="91440" tIns="45720" rIns="91440" bIns="45720">
+            <a:spAutoFit/>
+          </a:bodyPr>
+          <a:lstStyle/>
+          <a:p>
+            <a:pPr algn="ctr"/>
+            <a:r>
+              <a:rPr lang="en-US" sz="4000" b="1" dirty="0" err="1">
+                <a:ln w="9525">
+                  <a:solidFill>
+                    <a:schemeClr val="bg1"/>
+                  </a:solidFill>
+                  <a:prstDash val="solid"/>
+                </a:ln>
+                <a:effectLst>
+                  <a:outerShdw blurRad="12700" dist="38100" dir="2700000" algn="tl" rotWithShape="0">
+                    <a:schemeClr val="bg1">
+                      <a:lumMod val="50000"/>
+                    </a:schemeClr>
+                  </a:outerShdw>
+                </a:effectLst>
+                <a:latin typeface="Aharoni" panose="02010803020104030203" pitchFamily="2" charset="-79"/>
+                <a:cs typeface="Aharoni" panose="02010803020104030203" pitchFamily="2" charset="-79"/>
+              </a:rPr>
+              <a:t>SkinAI</a:t>
+            </a:r>
+            <a:endParaRPr lang="en-US" sz="4000" b="1" dirty="0">
+              <a:ln w="9525">
+                <a:solidFill>
+                  <a:schemeClr val="bg1"/>
+                </a:solidFill>
+                <a:prstDash val="solid"/>
+              </a:ln>
+              <a:effectLst>
+                <a:outerShdw blurRad="12700" dist="38100" dir="2700000" algn="tl" rotWithShape="0">
+                  <a:schemeClr val="bg1">
+                    <a:lumMod val="50000"/>
+                  </a:schemeClr>
+                </a:outerShdw>
+              </a:effectLst>
+              <a:latin typeface="Aharoni" panose="02010803020104030203" pitchFamily="2" charset="-79"/>
+              <a:cs typeface="Aharoni" panose="02010803020104030203" pitchFamily="2" charset="-79"/>
+            </a:endParaRPr>
+          </a:p>
+        </p:txBody>
+      </p:sp>
     </p:spTree>
     <p:extLst>
       <p:ext uri="{BB962C8B-B14F-4D97-AF65-F5344CB8AC3E}">
@@ -27583,7 +28085,7 @@
           <p:nvPr>
             <p:extLst>
               <p:ext uri="{D42A27DB-BD31-4B8C-83A1-F6EECF244321}">
-                <p14:modId xmlns:p14="http://schemas.microsoft.com/office/powerpoint/2010/main" val="2628542633"/>
+                <p14:modId xmlns:p14="http://schemas.microsoft.com/office/powerpoint/2010/main" val="60118063"/>
               </p:ext>
             </p:extLst>
           </p:nvPr>
@@ -35486,6 +35988,9 @@
             </a:pPr>
             <a:r>
               <a:rPr lang="en-IL" sz="1800" kern="100" dirty="0" err="1">
+                <a:solidFill>
+                  <a:schemeClr val="bg1"/>
+                </a:solidFill>
                 <a:effectLst/>
                 <a:latin typeface="Aptos" panose="020B0004020202020204" pitchFamily="34" charset="0"/>
                 <a:ea typeface="Aptos" panose="020B0004020202020204" pitchFamily="34" charset="0"/>
@@ -35495,6 +36000,9 @@
             </a:r>
             <a:r>
               <a:rPr lang="en-IL" sz="1800" kern="100" dirty="0">
+                <a:solidFill>
+                  <a:schemeClr val="bg1"/>
+                </a:solidFill>
                 <a:effectLst/>
                 <a:latin typeface="Aptos" panose="020B0004020202020204" pitchFamily="34" charset="0"/>
                 <a:ea typeface="Aptos" panose="020B0004020202020204" pitchFamily="34" charset="0"/>
@@ -35504,6 +36012,9 @@
             </a:r>
             <a:r>
               <a:rPr lang="en-IL" sz="1800" kern="100" dirty="0" err="1">
+                <a:solidFill>
+                  <a:schemeClr val="bg1"/>
+                </a:solidFill>
                 <a:effectLst/>
                 <a:latin typeface="Aptos" panose="020B0004020202020204" pitchFamily="34" charset="0"/>
                 <a:ea typeface="Aptos" panose="020B0004020202020204" pitchFamily="34" charset="0"/>
@@ -35513,6 +36024,9 @@
             </a:r>
             <a:r>
               <a:rPr lang="en-IL" sz="1800" kern="100" dirty="0">
+                <a:solidFill>
+                  <a:schemeClr val="bg1"/>
+                </a:solidFill>
                 <a:effectLst/>
                 <a:latin typeface="Aptos" panose="020B0004020202020204" pitchFamily="34" charset="0"/>
                 <a:ea typeface="Aptos" panose="020B0004020202020204" pitchFamily="34" charset="0"/>
@@ -35522,6 +36036,9 @@
             </a:r>
             <a:r>
               <a:rPr lang="en-IL" sz="1800" kern="100" dirty="0" err="1">
+                <a:solidFill>
+                  <a:schemeClr val="bg1"/>
+                </a:solidFill>
                 <a:effectLst/>
                 <a:latin typeface="Aptos" panose="020B0004020202020204" pitchFamily="34" charset="0"/>
                 <a:ea typeface="Aptos" panose="020B0004020202020204" pitchFamily="34" charset="0"/>
@@ -35531,6 +36048,9 @@
             </a:r>
             <a:r>
               <a:rPr lang="en-IL" sz="1800" kern="100" dirty="0">
+                <a:solidFill>
+                  <a:schemeClr val="bg1"/>
+                </a:solidFill>
                 <a:effectLst/>
                 <a:latin typeface="Aptos" panose="020B0004020202020204" pitchFamily="34" charset="0"/>
                 <a:ea typeface="Aptos" panose="020B0004020202020204" pitchFamily="34" charset="0"/>
@@ -35540,6 +36060,9 @@
             </a:r>
             <a:r>
               <a:rPr lang="en-IL" sz="1800" kern="100" dirty="0" err="1">
+                <a:solidFill>
+                  <a:schemeClr val="bg1"/>
+                </a:solidFill>
                 <a:effectLst/>
                 <a:latin typeface="Aptos" panose="020B0004020202020204" pitchFamily="34" charset="0"/>
                 <a:ea typeface="Aptos" panose="020B0004020202020204" pitchFamily="34" charset="0"/>
@@ -35549,6 +36072,9 @@
             </a:r>
             <a:r>
               <a:rPr lang="en-IL" sz="1800" kern="100" dirty="0">
+                <a:solidFill>
+                  <a:schemeClr val="bg1"/>
+                </a:solidFill>
                 <a:effectLst/>
                 <a:latin typeface="Aptos" panose="020B0004020202020204" pitchFamily="34" charset="0"/>
                 <a:ea typeface="Aptos" panose="020B0004020202020204" pitchFamily="34" charset="0"/>
@@ -35558,6 +36084,9 @@
             </a:r>
             <a:r>
               <a:rPr lang="en-IL" sz="1800" kern="100" dirty="0" err="1">
+                <a:solidFill>
+                  <a:schemeClr val="bg1"/>
+                </a:solidFill>
                 <a:effectLst/>
                 <a:latin typeface="Aptos" panose="020B0004020202020204" pitchFamily="34" charset="0"/>
                 <a:ea typeface="Aptos" panose="020B0004020202020204" pitchFamily="34" charset="0"/>
@@ -35567,6 +36096,9 @@
             </a:r>
             <a:r>
               <a:rPr lang="en-IL" sz="1800" kern="100" dirty="0">
+                <a:solidFill>
+                  <a:schemeClr val="bg1"/>
+                </a:solidFill>
                 <a:effectLst/>
                 <a:latin typeface="Aptos" panose="020B0004020202020204" pitchFamily="34" charset="0"/>
                 <a:ea typeface="Aptos" panose="020B0004020202020204" pitchFamily="34" charset="0"/>
@@ -35576,6 +36108,9 @@
             </a:r>
             <a:r>
               <a:rPr lang="en-IL" sz="1800" kern="100" dirty="0" err="1">
+                <a:solidFill>
+                  <a:schemeClr val="bg1"/>
+                </a:solidFill>
                 <a:effectLst/>
                 <a:latin typeface="Aptos" panose="020B0004020202020204" pitchFamily="34" charset="0"/>
                 <a:ea typeface="Aptos" panose="020B0004020202020204" pitchFamily="34" charset="0"/>
@@ -35585,6 +36120,9 @@
             </a:r>
             <a:r>
               <a:rPr lang="en-IL" sz="1800" kern="100" dirty="0">
+                <a:solidFill>
+                  <a:schemeClr val="bg1"/>
+                </a:solidFill>
                 <a:effectLst/>
                 <a:latin typeface="Aptos" panose="020B0004020202020204" pitchFamily="34" charset="0"/>
                 <a:ea typeface="Aptos" panose="020B0004020202020204" pitchFamily="34" charset="0"/>
@@ -35594,6 +36132,9 @@
             </a:r>
             <a:r>
               <a:rPr lang="en-IL" sz="1800" i="1" kern="100" dirty="0">
+                <a:solidFill>
+                  <a:schemeClr val="bg1"/>
+                </a:solidFill>
                 <a:effectLst/>
                 <a:latin typeface="Aptos" panose="020B0004020202020204" pitchFamily="34" charset="0"/>
                 <a:ea typeface="Aptos" panose="020B0004020202020204" pitchFamily="34" charset="0"/>
@@ -35603,6 +36144,9 @@
             </a:r>
             <a:r>
               <a:rPr lang="en-IL" sz="1800" kern="100" dirty="0">
+                <a:solidFill>
+                  <a:schemeClr val="bg1"/>
+                </a:solidFill>
                 <a:effectLst/>
                 <a:latin typeface="Aptos" panose="020B0004020202020204" pitchFamily="34" charset="0"/>
                 <a:ea typeface="Aptos" panose="020B0004020202020204" pitchFamily="34" charset="0"/>
@@ -35613,17 +36157,26 @@
             <a:r>
               <a:rPr lang="en-IL" sz="1800" u="sng" kern="100" dirty="0">
                 <a:solidFill>
-                  <a:srgbClr val="467886"/>
+                  <a:schemeClr val="bg1"/>
                 </a:solidFill>
                 <a:effectLst/>
                 <a:latin typeface="Aptos" panose="020B0004020202020204" pitchFamily="34" charset="0"/>
                 <a:ea typeface="Aptos" panose="020B0004020202020204" pitchFamily="34" charset="0"/>
                 <a:cs typeface="Arial" panose="020B0604020202020204" pitchFamily="34" charset="0"/>
-                <a:hlinkClick r:id="rId2"/>
+                <a:hlinkClick r:id="rId3">
+                  <a:extLst>
+                    <a:ext uri="{A12FA001-AC4F-418D-AE19-62706E023703}">
+                      <ahyp:hlinkClr xmlns:ahyp="http://schemas.microsoft.com/office/drawing/2018/hyperlinkcolor" val="tx"/>
+                    </a:ext>
+                  </a:extLst>
+                </a:hlinkClick>
               </a:rPr>
               <a:t>https://doi.org/10.3390/ijerph18105479</a:t>
             </a:r>
             <a:endParaRPr lang="en-IL" sz="1800" kern="100" dirty="0">
+              <a:solidFill>
+                <a:schemeClr val="bg1"/>
+              </a:solidFill>
               <a:effectLst/>
               <a:latin typeface="Aptos" panose="020B0004020202020204" pitchFamily="34" charset="0"/>
               <a:ea typeface="Aptos" panose="020B0004020202020204" pitchFamily="34" charset="0"/>
@@ -35641,6 +36194,9 @@
             </a:pPr>
             <a:r>
               <a:rPr lang="en-IL" sz="1800" kern="100" dirty="0">
+                <a:solidFill>
+                  <a:schemeClr val="bg1"/>
+                </a:solidFill>
                 <a:effectLst/>
                 <a:latin typeface="Aptos" panose="020B0004020202020204" pitchFamily="34" charset="0"/>
                 <a:ea typeface="Aptos" panose="020B0004020202020204" pitchFamily="34" charset="0"/>
@@ -35650,6 +36206,9 @@
             </a:r>
             <a:r>
               <a:rPr lang="en-IL" sz="1800" kern="100" dirty="0" err="1">
+                <a:solidFill>
+                  <a:schemeClr val="bg1"/>
+                </a:solidFill>
                 <a:effectLst/>
                 <a:latin typeface="Aptos" panose="020B0004020202020204" pitchFamily="34" charset="0"/>
                 <a:ea typeface="Aptos" panose="020B0004020202020204" pitchFamily="34" charset="0"/>
@@ -35659,6 +36218,9 @@
             </a:r>
             <a:r>
               <a:rPr lang="en-IL" sz="1800" kern="100" dirty="0">
+                <a:solidFill>
+                  <a:schemeClr val="bg1"/>
+                </a:solidFill>
                 <a:effectLst/>
                 <a:latin typeface="Aptos" panose="020B0004020202020204" pitchFamily="34" charset="0"/>
                 <a:ea typeface="Aptos" panose="020B0004020202020204" pitchFamily="34" charset="0"/>
@@ -35668,6 +36230,9 @@
             </a:r>
             <a:r>
               <a:rPr lang="en-IL" sz="1800" kern="100" dirty="0" err="1">
+                <a:solidFill>
+                  <a:schemeClr val="bg1"/>
+                </a:solidFill>
                 <a:effectLst/>
                 <a:latin typeface="Aptos" panose="020B0004020202020204" pitchFamily="34" charset="0"/>
                 <a:ea typeface="Aptos" panose="020B0004020202020204" pitchFamily="34" charset="0"/>
@@ -35677,6 +36242,9 @@
             </a:r>
             <a:r>
               <a:rPr lang="en-IL" sz="1800" kern="100" dirty="0">
+                <a:solidFill>
+                  <a:schemeClr val="bg1"/>
+                </a:solidFill>
                 <a:effectLst/>
                 <a:latin typeface="Aptos" panose="020B0004020202020204" pitchFamily="34" charset="0"/>
                 <a:ea typeface="Aptos" panose="020B0004020202020204" pitchFamily="34" charset="0"/>
@@ -35687,7 +36255,7 @@
             <a:r>
               <a:rPr lang="en-IL" sz="1200" i="1" kern="100" dirty="0">
                 <a:solidFill>
-                  <a:srgbClr val="222222"/>
+                  <a:schemeClr val="bg1"/>
                 </a:solidFill>
                 <a:effectLst/>
                 <a:latin typeface="Arial" panose="020B0604020202020204" pitchFamily="34" charset="0"/>
@@ -35698,6 +36266,9 @@
             </a:r>
             <a:r>
               <a:rPr lang="en-IL" sz="1800" i="1" kern="100" dirty="0">
+                <a:solidFill>
+                  <a:schemeClr val="bg1"/>
+                </a:solidFill>
                 <a:effectLst/>
                 <a:latin typeface="Aptos" panose="020B0004020202020204" pitchFamily="34" charset="0"/>
                 <a:ea typeface="Aptos" panose="020B0004020202020204" pitchFamily="34" charset="0"/>
@@ -35707,6 +36278,9 @@
             </a:r>
             <a:r>
               <a:rPr lang="en-IL" sz="1800" kern="100" dirty="0">
+                <a:solidFill>
+                  <a:schemeClr val="bg1"/>
+                </a:solidFill>
                 <a:effectLst/>
                 <a:latin typeface="Aptos" panose="020B0004020202020204" pitchFamily="34" charset="0"/>
                 <a:ea typeface="Aptos" panose="020B0004020202020204" pitchFamily="34" charset="0"/>
@@ -35717,17 +36291,26 @@
             <a:r>
               <a:rPr lang="en-IL" sz="1800" u="sng" kern="100" dirty="0">
                 <a:solidFill>
-                  <a:srgbClr val="467886"/>
+                  <a:schemeClr val="bg1"/>
                 </a:solidFill>
                 <a:effectLst/>
                 <a:latin typeface="Aptos" panose="020B0004020202020204" pitchFamily="34" charset="0"/>
                 <a:ea typeface="Aptos" panose="020B0004020202020204" pitchFamily="34" charset="0"/>
                 <a:cs typeface="Arial" panose="020B0604020202020204" pitchFamily="34" charset="0"/>
-                <a:hlinkClick r:id="rId3"/>
+                <a:hlinkClick r:id="rId4">
+                  <a:extLst>
+                    <a:ext uri="{A12FA001-AC4F-418D-AE19-62706E023703}">
+                      <ahyp:hlinkClr xmlns:ahyp="http://schemas.microsoft.com/office/drawing/2018/hyperlinkcolor" val="tx"/>
+                    </a:ext>
+                  </a:extLst>
+                </a:hlinkClick>
               </a:rPr>
               <a:t>https://doi.org/10.3390/diagnostics13213313</a:t>
             </a:r>
             <a:endParaRPr lang="en-IL" sz="1800" kern="100" dirty="0">
+              <a:solidFill>
+                <a:schemeClr val="bg1"/>
+              </a:solidFill>
               <a:effectLst/>
               <a:latin typeface="Aptos" panose="020B0004020202020204" pitchFamily="34" charset="0"/>
               <a:ea typeface="Aptos" panose="020B0004020202020204" pitchFamily="34" charset="0"/>
@@ -35748,6 +36331,9 @@
             </a:pPr>
             <a:r>
               <a:rPr lang="en-IL" sz="1800" kern="100" dirty="0" err="1">
+                <a:solidFill>
+                  <a:schemeClr val="bg1"/>
+                </a:solidFill>
                 <a:effectLst/>
                 <a:latin typeface="Aptos" panose="020B0004020202020204" pitchFamily="34" charset="0"/>
                 <a:ea typeface="Aptos" panose="020B0004020202020204" pitchFamily="34" charset="0"/>
@@ -35757,6 +36343,9 @@
             </a:r>
             <a:r>
               <a:rPr lang="en-IL" sz="1800" kern="100" dirty="0">
+                <a:solidFill>
+                  <a:schemeClr val="bg1"/>
+                </a:solidFill>
                 <a:effectLst/>
                 <a:latin typeface="Aptos" panose="020B0004020202020204" pitchFamily="34" charset="0"/>
                 <a:ea typeface="Aptos" panose="020B0004020202020204" pitchFamily="34" charset="0"/>
@@ -35766,6 +36355,9 @@
             </a:r>
             <a:r>
               <a:rPr lang="en-IL" sz="1800" kern="100" dirty="0" err="1">
+                <a:solidFill>
+                  <a:schemeClr val="bg1"/>
+                </a:solidFill>
                 <a:effectLst/>
                 <a:latin typeface="Aptos" panose="020B0004020202020204" pitchFamily="34" charset="0"/>
                 <a:ea typeface="Aptos" panose="020B0004020202020204" pitchFamily="34" charset="0"/>
@@ -35775,6 +36367,9 @@
             </a:r>
             <a:r>
               <a:rPr lang="en-IL" sz="1800" kern="100" dirty="0">
+                <a:solidFill>
+                  <a:schemeClr val="bg1"/>
+                </a:solidFill>
                 <a:effectLst/>
                 <a:latin typeface="Aptos" panose="020B0004020202020204" pitchFamily="34" charset="0"/>
                 <a:ea typeface="Aptos" panose="020B0004020202020204" pitchFamily="34" charset="0"/>
@@ -35784,6 +36379,9 @@
             </a:r>
             <a:r>
               <a:rPr lang="en-IL" sz="1800" kern="100" dirty="0" err="1">
+                <a:solidFill>
+                  <a:schemeClr val="bg1"/>
+                </a:solidFill>
                 <a:effectLst/>
                 <a:latin typeface="Aptos" panose="020B0004020202020204" pitchFamily="34" charset="0"/>
                 <a:ea typeface="Aptos" panose="020B0004020202020204" pitchFamily="34" charset="0"/>
@@ -35793,6 +36391,9 @@
             </a:r>
             <a:r>
               <a:rPr lang="en-IL" sz="1800" kern="100" dirty="0">
+                <a:solidFill>
+                  <a:schemeClr val="bg1"/>
+                </a:solidFill>
                 <a:effectLst/>
                 <a:latin typeface="Aptos" panose="020B0004020202020204" pitchFamily="34" charset="0"/>
                 <a:ea typeface="Aptos" panose="020B0004020202020204" pitchFamily="34" charset="0"/>
@@ -35802,6 +36403,9 @@
             </a:r>
             <a:r>
               <a:rPr lang="en-IL" sz="1800" i="1" kern="100" dirty="0">
+                <a:solidFill>
+                  <a:schemeClr val="bg1"/>
+                </a:solidFill>
                 <a:effectLst/>
                 <a:latin typeface="Aptos" panose="020B0004020202020204" pitchFamily="34" charset="0"/>
                 <a:ea typeface="Aptos" panose="020B0004020202020204" pitchFamily="34" charset="0"/>
@@ -35811,6 +36415,9 @@
             </a:r>
             <a:r>
               <a:rPr lang="en-IL" sz="1800" kern="100" dirty="0">
+                <a:solidFill>
+                  <a:schemeClr val="bg1"/>
+                </a:solidFill>
                 <a:effectLst/>
                 <a:latin typeface="Aptos" panose="020B0004020202020204" pitchFamily="34" charset="0"/>
                 <a:ea typeface="Aptos" panose="020B0004020202020204" pitchFamily="34" charset="0"/>
@@ -35821,17 +36428,26 @@
             <a:r>
               <a:rPr lang="en-IL" sz="1800" u="sng" kern="100" dirty="0">
                 <a:solidFill>
-                  <a:srgbClr val="467886"/>
+                  <a:schemeClr val="bg1"/>
                 </a:solidFill>
                 <a:effectLst/>
                 <a:latin typeface="Aptos" panose="020B0004020202020204" pitchFamily="34" charset="0"/>
                 <a:ea typeface="Aptos" panose="020B0004020202020204" pitchFamily="34" charset="0"/>
                 <a:cs typeface="Arial" panose="020B0604020202020204" pitchFamily="34" charset="0"/>
-                <a:hlinkClick r:id="rId4"/>
+                <a:hlinkClick r:id="rId5">
+                  <a:extLst>
+                    <a:ext uri="{A12FA001-AC4F-418D-AE19-62706E023703}">
+                      <ahyp:hlinkClr xmlns:ahyp="http://schemas.microsoft.com/office/drawing/2018/hyperlinkcolor" val="tx"/>
+                    </a:ext>
+                  </a:extLst>
+                </a:hlinkClick>
               </a:rPr>
               <a:t>https://doi.org/10.1038/nature21056</a:t>
             </a:r>
             <a:endParaRPr lang="en-IL" sz="1800" kern="100" dirty="0">
+              <a:solidFill>
+                <a:schemeClr val="bg1"/>
+              </a:solidFill>
               <a:effectLst/>
               <a:latin typeface="Aptos" panose="020B0004020202020204" pitchFamily="34" charset="0"/>
               <a:ea typeface="Aptos" panose="020B0004020202020204" pitchFamily="34" charset="0"/>
@@ -39653,7 +40269,27 @@
                 <a:latin typeface="Arial" panose="020B0604020202020204" pitchFamily="34" charset="0"/>
                 <a:cs typeface="Arial" panose="020B0604020202020204" pitchFamily="34" charset="0"/>
               </a:rPr>
-              <a:t> and return results within few seconds for each uploaded image.</a:t>
+              <a:t> and return results within </a:t>
+            </a:r>
+            <a:r>
+              <a:rPr lang="he-IL" sz="1400" dirty="0">
+                <a:solidFill>
+                  <a:schemeClr val="bg1"/>
+                </a:solidFill>
+                <a:latin typeface="Arial" panose="020B0604020202020204" pitchFamily="34" charset="0"/>
+                <a:cs typeface="Arial" panose="020B0604020202020204" pitchFamily="34" charset="0"/>
+              </a:rPr>
+              <a:t>5</a:t>
+            </a:r>
+            <a:r>
+              <a:rPr lang="en-US" sz="1400" dirty="0">
+                <a:solidFill>
+                  <a:schemeClr val="bg1"/>
+                </a:solidFill>
+                <a:latin typeface="Arial" panose="020B0604020202020204" pitchFamily="34" charset="0"/>
+                <a:cs typeface="Arial" panose="020B0604020202020204" pitchFamily="34" charset="0"/>
+              </a:rPr>
+              <a:t> seconds for each uploaded image.</a:t>
             </a:r>
             <a:endParaRPr lang="en-IL" sz="1400" dirty="0">
               <a:solidFill>
@@ -47000,4 +47636,319 @@
     </a:ext>
   </a:extLst>
 </a:theme>
+</file>
+
+<file path=ppt/theme/theme2.xml><?xml version="1.0" encoding="utf-8"?>
+<a:theme xmlns:a="http://schemas.openxmlformats.org/drawingml/2006/main" name="ערכת נושא Office">
+  <a:themeElements>
+    <a:clrScheme name="Office">
+      <a:dk1>
+        <a:sysClr val="windowText" lastClr="000000"/>
+      </a:dk1>
+      <a:lt1>
+        <a:sysClr val="window" lastClr="FFFFFF"/>
+      </a:lt1>
+      <a:dk2>
+        <a:srgbClr val="0E2841"/>
+      </a:dk2>
+      <a:lt2>
+        <a:srgbClr val="E8E8E8"/>
+      </a:lt2>
+      <a:accent1>
+        <a:srgbClr val="156082"/>
+      </a:accent1>
+      <a:accent2>
+        <a:srgbClr val="E97132"/>
+      </a:accent2>
+      <a:accent3>
+        <a:srgbClr val="196B24"/>
+      </a:accent3>
+      <a:accent4>
+        <a:srgbClr val="0F9ED5"/>
+      </a:accent4>
+      <a:accent5>
+        <a:srgbClr val="A02B93"/>
+      </a:accent5>
+      <a:accent6>
+        <a:srgbClr val="4EA72E"/>
+      </a:accent6>
+      <a:hlink>
+        <a:srgbClr val="467886"/>
+      </a:hlink>
+      <a:folHlink>
+        <a:srgbClr val="96607D"/>
+      </a:folHlink>
+    </a:clrScheme>
+    <a:fontScheme name="Office">
+      <a:majorFont>
+        <a:latin typeface="Aptos Display" panose="02110004020202020204"/>
+        <a:ea typeface=""/>
+        <a:cs typeface=""/>
+        <a:font script="Jpan" typeface="游ゴシック Light"/>
+        <a:font script="Hang" typeface="맑은 고딕"/>
+        <a:font script="Hans" typeface="等线 Light"/>
+        <a:font script="Hant" typeface="新細明體"/>
+        <a:font script="Arab" typeface="Times New Roman"/>
+        <a:font script="Hebr" typeface="Times New Roman"/>
+        <a:font script="Thai" typeface="Angsana New"/>
+        <a:font script="Ethi" typeface="Nyala"/>
+        <a:font script="Beng" typeface="Vrinda"/>
+        <a:font script="Gujr" typeface="Shruti"/>
+        <a:font script="Khmr" typeface="MoolBoran"/>
+        <a:font script="Knda" typeface="Tunga"/>
+        <a:font script="Guru" typeface="Raavi"/>
+        <a:font script="Cans" typeface="Euphemia"/>
+        <a:font script="Cher" typeface="Plantagenet Cherokee"/>
+        <a:font script="Yiii" typeface="Microsoft Yi Baiti"/>
+        <a:font script="Tibt" typeface="Microsoft Himalaya"/>
+        <a:font script="Thaa" typeface="MV Boli"/>
+        <a:font script="Deva" typeface="Mangal"/>
+        <a:font script="Telu" typeface="Gautami"/>
+        <a:font script="Taml" typeface="Latha"/>
+        <a:font script="Syrc" typeface="Estrangelo Edessa"/>
+        <a:font script="Orya" typeface="Kalinga"/>
+        <a:font script="Mlym" typeface="Kartika"/>
+        <a:font script="Laoo" typeface="DokChampa"/>
+        <a:font script="Sinh" typeface="Iskoola Pota"/>
+        <a:font script="Mong" typeface="Mongolian Baiti"/>
+        <a:font script="Viet" typeface="Times New Roman"/>
+        <a:font script="Uigh" typeface="Microsoft Uighur"/>
+        <a:font script="Geor" typeface="Sylfaen"/>
+        <a:font script="Armn" typeface="Arial"/>
+        <a:font script="Bugi" typeface="Leelawadee UI"/>
+        <a:font script="Bopo" typeface="Microsoft JhengHei"/>
+        <a:font script="Java" typeface="Javanese Text"/>
+        <a:font script="Lisu" typeface="Segoe UI"/>
+        <a:font script="Mymr" typeface="Myanmar Text"/>
+        <a:font script="Nkoo" typeface="Ebrima"/>
+        <a:font script="Olck" typeface="Nirmala UI"/>
+        <a:font script="Osma" typeface="Ebrima"/>
+        <a:font script="Phag" typeface="Phagspa"/>
+        <a:font script="Syrn" typeface="Estrangelo Edessa"/>
+        <a:font script="Syrj" typeface="Estrangelo Edessa"/>
+        <a:font script="Syre" typeface="Estrangelo Edessa"/>
+        <a:font script="Sora" typeface="Nirmala UI"/>
+        <a:font script="Tale" typeface="Microsoft Tai Le"/>
+        <a:font script="Talu" typeface="Microsoft New Tai Lue"/>
+        <a:font script="Tfng" typeface="Ebrima"/>
+      </a:majorFont>
+      <a:minorFont>
+        <a:latin typeface="Aptos" panose="02110004020202020204"/>
+        <a:ea typeface=""/>
+        <a:cs typeface=""/>
+        <a:font script="Jpan" typeface="游ゴシック"/>
+        <a:font script="Hang" typeface="맑은 고딕"/>
+        <a:font script="Hans" typeface="等线"/>
+        <a:font script="Hant" typeface="新細明體"/>
+        <a:font script="Arab" typeface="Arial"/>
+        <a:font script="Hebr" typeface="Arial"/>
+        <a:font script="Thai" typeface="Cordia New"/>
+        <a:font script="Ethi" typeface="Nyala"/>
+        <a:font script="Beng" typeface="Vrinda"/>
+        <a:font script="Gujr" typeface="Shruti"/>
+        <a:font script="Khmr" typeface="DaunPenh"/>
+        <a:font script="Knda" typeface="Tunga"/>
+        <a:font script="Guru" typeface="Raavi"/>
+        <a:font script="Cans" typeface="Euphemia"/>
+        <a:font script="Cher" typeface="Plantagenet Cherokee"/>
+        <a:font script="Yiii" typeface="Microsoft Yi Baiti"/>
+        <a:font script="Tibt" typeface="Microsoft Himalaya"/>
+        <a:font script="Thaa" typeface="MV Boli"/>
+        <a:font script="Deva" typeface="Mangal"/>
+        <a:font script="Telu" typeface="Gautami"/>
+        <a:font script="Taml" typeface="Latha"/>
+        <a:font script="Syrc" typeface="Estrangelo Edessa"/>
+        <a:font script="Orya" typeface="Kalinga"/>
+        <a:font script="Mlym" typeface="Kartika"/>
+        <a:font script="Laoo" typeface="DokChampa"/>
+        <a:font script="Sinh" typeface="Iskoola Pota"/>
+        <a:font script="Mong" typeface="Mongolian Baiti"/>
+        <a:font script="Viet" typeface="Arial"/>
+        <a:font script="Uigh" typeface="Microsoft Uighur"/>
+        <a:font script="Geor" typeface="Sylfaen"/>
+        <a:font script="Armn" typeface="Arial"/>
+        <a:font script="Bugi" typeface="Leelawadee UI"/>
+        <a:font script="Bopo" typeface="Microsoft JhengHei"/>
+        <a:font script="Java" typeface="Javanese Text"/>
+        <a:font script="Lisu" typeface="Segoe UI"/>
+        <a:font script="Mymr" typeface="Myanmar Text"/>
+        <a:font script="Nkoo" typeface="Ebrima"/>
+        <a:font script="Olck" typeface="Nirmala UI"/>
+        <a:font script="Osma" typeface="Ebrima"/>
+        <a:font script="Phag" typeface="Phagspa"/>
+        <a:font script="Syrn" typeface="Estrangelo Edessa"/>
+        <a:font script="Syrj" typeface="Estrangelo Edessa"/>
+        <a:font script="Syre" typeface="Estrangelo Edessa"/>
+        <a:font script="Sora" typeface="Nirmala UI"/>
+        <a:font script="Tale" typeface="Microsoft Tai Le"/>
+        <a:font script="Talu" typeface="Microsoft New Tai Lue"/>
+        <a:font script="Tfng" typeface="Ebrima"/>
+      </a:minorFont>
+    </a:fontScheme>
+    <a:fmtScheme name="Office">
+      <a:fillStyleLst>
+        <a:solidFill>
+          <a:schemeClr val="phClr"/>
+        </a:solidFill>
+        <a:gradFill rotWithShape="1">
+          <a:gsLst>
+            <a:gs pos="0">
+              <a:schemeClr val="phClr">
+                <a:lumMod val="110000"/>
+                <a:satMod val="105000"/>
+                <a:tint val="67000"/>
+              </a:schemeClr>
+            </a:gs>
+            <a:gs pos="50000">
+              <a:schemeClr val="phClr">
+                <a:lumMod val="105000"/>
+                <a:satMod val="103000"/>
+                <a:tint val="73000"/>
+              </a:schemeClr>
+            </a:gs>
+            <a:gs pos="100000">
+              <a:schemeClr val="phClr">
+                <a:lumMod val="105000"/>
+                <a:satMod val="109000"/>
+                <a:tint val="81000"/>
+              </a:schemeClr>
+            </a:gs>
+          </a:gsLst>
+          <a:lin ang="5400000" scaled="0"/>
+        </a:gradFill>
+        <a:gradFill rotWithShape="1">
+          <a:gsLst>
+            <a:gs pos="0">
+              <a:schemeClr val="phClr">
+                <a:satMod val="103000"/>
+                <a:lumMod val="102000"/>
+                <a:tint val="94000"/>
+              </a:schemeClr>
+            </a:gs>
+            <a:gs pos="50000">
+              <a:schemeClr val="phClr">
+                <a:satMod val="110000"/>
+                <a:lumMod val="100000"/>
+                <a:shade val="100000"/>
+              </a:schemeClr>
+            </a:gs>
+            <a:gs pos="100000">
+              <a:schemeClr val="phClr">
+                <a:lumMod val="99000"/>
+                <a:satMod val="120000"/>
+                <a:shade val="78000"/>
+              </a:schemeClr>
+            </a:gs>
+          </a:gsLst>
+          <a:lin ang="5400000" scaled="0"/>
+        </a:gradFill>
+      </a:fillStyleLst>
+      <a:lnStyleLst>
+        <a:ln w="12700" cap="flat" cmpd="sng" algn="ctr">
+          <a:solidFill>
+            <a:schemeClr val="phClr"/>
+          </a:solidFill>
+          <a:prstDash val="solid"/>
+          <a:miter lim="800000"/>
+        </a:ln>
+        <a:ln w="19050" cap="flat" cmpd="sng" algn="ctr">
+          <a:solidFill>
+            <a:schemeClr val="phClr"/>
+          </a:solidFill>
+          <a:prstDash val="solid"/>
+          <a:miter lim="800000"/>
+        </a:ln>
+        <a:ln w="25400" cap="flat" cmpd="sng" algn="ctr">
+          <a:solidFill>
+            <a:schemeClr val="phClr"/>
+          </a:solidFill>
+          <a:prstDash val="solid"/>
+          <a:miter lim="800000"/>
+        </a:ln>
+      </a:lnStyleLst>
+      <a:effectStyleLst>
+        <a:effectStyle>
+          <a:effectLst/>
+        </a:effectStyle>
+        <a:effectStyle>
+          <a:effectLst/>
+        </a:effectStyle>
+        <a:effectStyle>
+          <a:effectLst>
+            <a:outerShdw blurRad="57150" dist="19050" dir="5400000" algn="ctr" rotWithShape="0">
+              <a:srgbClr val="000000">
+                <a:alpha val="63000"/>
+              </a:srgbClr>
+            </a:outerShdw>
+          </a:effectLst>
+        </a:effectStyle>
+      </a:effectStyleLst>
+      <a:bgFillStyleLst>
+        <a:solidFill>
+          <a:schemeClr val="phClr"/>
+        </a:solidFill>
+        <a:solidFill>
+          <a:schemeClr val="phClr">
+            <a:tint val="95000"/>
+            <a:satMod val="170000"/>
+          </a:schemeClr>
+        </a:solidFill>
+        <a:gradFill rotWithShape="1">
+          <a:gsLst>
+            <a:gs pos="0">
+              <a:schemeClr val="phClr">
+                <a:tint val="93000"/>
+                <a:satMod val="150000"/>
+                <a:shade val="98000"/>
+                <a:lumMod val="102000"/>
+              </a:schemeClr>
+            </a:gs>
+            <a:gs pos="50000">
+              <a:schemeClr val="phClr">
+                <a:tint val="98000"/>
+                <a:satMod val="130000"/>
+                <a:shade val="90000"/>
+                <a:lumMod val="103000"/>
+              </a:schemeClr>
+            </a:gs>
+            <a:gs pos="100000">
+              <a:schemeClr val="phClr">
+                <a:shade val="63000"/>
+                <a:satMod val="120000"/>
+              </a:schemeClr>
+            </a:gs>
+          </a:gsLst>
+          <a:lin ang="5400000" scaled="0"/>
+        </a:gradFill>
+      </a:bgFillStyleLst>
+    </a:fmtScheme>
+  </a:themeElements>
+  <a:objectDefaults>
+    <a:lnDef>
+      <a:spPr/>
+      <a:bodyPr/>
+      <a:lstStyle/>
+      <a:style>
+        <a:lnRef idx="2">
+          <a:schemeClr val="accent1"/>
+        </a:lnRef>
+        <a:fillRef idx="0">
+          <a:schemeClr val="accent1"/>
+        </a:fillRef>
+        <a:effectRef idx="1">
+          <a:schemeClr val="accent1"/>
+        </a:effectRef>
+        <a:fontRef idx="minor">
+          <a:schemeClr val="tx1"/>
+        </a:fontRef>
+      </a:style>
+    </a:lnDef>
+  </a:objectDefaults>
+  <a:extraClrSchemeLst/>
+  <a:extLst>
+    <a:ext uri="{05A4C25C-085E-4340-85A3-A5531E510DB2}">
+      <thm15:themeFamily xmlns:thm15="http://schemas.microsoft.com/office/thememl/2012/main" name="Office Theme" id="{2E142A2C-CD16-42D6-873A-C26D2A0506FA}" vid="{1BDDFF52-6CD6-40A5-AB3C-68EB2F1E4D0A}"/>
+    </a:ext>
+  </a:extLst>
+</a:theme>
 </file>